--- a/idea/PLEDGE_TO_PROGRES_Microsoft_Sustainability_Submission.pptx
+++ b/idea/PLEDGE_TO_PROGRES_Microsoft_Sustainability_Submission.pptx
@@ -35308,14 +35308,19 @@
           <a:p>
             <a:r>
               <a:rPr lang="en-US" dirty="0"/>
-              <a:t>Hemalatha Vhavale Jaganath</a:t>
+              <a:t>Hemalatha Vhavale Jaganath TECHNICAL ARCHITECT</a:t>
             </a:r>
           </a:p>
           <a:p>
             <a:r>
               <a:rPr lang="en-US" dirty="0"/>
-              <a:t>Nishita Naveen Phutane</a:t>
+              <a:t>Nishita </a:t>
             </a:r>
+            <a:r>
+              <a:rPr lang="en-US"/>
+              <a:t>Naveen Phutane STUDENT</a:t>
+            </a:r>
+            <a:endParaRPr lang="en-US" dirty="0"/>
           </a:p>
           <a:p>
             <a:endParaRPr lang="en-US" dirty="0"/>
@@ -38540,7 +38545,7 @@
               <a:t>HemalathaVhavale</a:t>
             </a:r>
             <a:r>
-              <a:rPr lang="en-IN">
+              <a:rPr lang="en-IN" dirty="0">
                 <a:hlinkClick r:id="rId3"/>
               </a:rPr>
               <a:t>/sustainability-hack (github.com)</a:t>
@@ -38705,10 +38710,48 @@
               <a:buNone/>
             </a:pPr>
             <a:r>
-              <a:rPr lang="en" sz="1500"/>
+              <a:rPr lang="en" sz="1500" dirty="0"/>
               <a:t>Team member names</a:t>
             </a:r>
-            <a:endParaRPr sz="1500"/>
+          </a:p>
+          <a:p>
+            <a:pPr marL="0" lvl="0" indent="0" algn="l" rtl="0">
+              <a:lnSpc>
+                <a:spcPct val="150000"/>
+              </a:lnSpc>
+              <a:spcBef>
+                <a:spcPts val="0"/>
+              </a:spcBef>
+              <a:spcAft>
+                <a:spcPts val="1600"/>
+              </a:spcAft>
+              <a:buSzPts val="1800"/>
+              <a:buNone/>
+            </a:pPr>
+            <a:r>
+              <a:rPr lang="en" sz="1500" dirty="0"/>
+              <a:t>HEMALATHA</a:t>
+            </a:r>
+          </a:p>
+          <a:p>
+            <a:pPr marL="0" lvl="0" indent="0" algn="l" rtl="0">
+              <a:lnSpc>
+                <a:spcPct val="150000"/>
+              </a:lnSpc>
+              <a:spcBef>
+                <a:spcPts val="0"/>
+              </a:spcBef>
+              <a:spcAft>
+                <a:spcPts val="1600"/>
+              </a:spcAft>
+              <a:buSzPts val="1800"/>
+              <a:buNone/>
+            </a:pPr>
+            <a:r>
+              <a:rPr lang="en" sz="1500" dirty="0"/>
+              <a:t>NISHITA</a:t>
+            </a:r>
+            <a:endParaRPr sz="1500" dirty="0"/>
           </a:p>
         </p:txBody>
       </p:sp>
